--- a/ADSA_Kmeans_021719/ADSA_KMeans_021719.pptx
+++ b/ADSA_Kmeans_021719/ADSA_KMeans_021719.pptx
@@ -263,6 +263,11 @@
       </a:defRPr>
     </a:lvl9pPr>
   </p:defaultTextStyle>
+  <p:extLst>
+    <p:ext uri="{EFAFB233-063F-42B5-8137-9DF3F51BA10A}">
+      <p15:sldGuideLst xmlns:p15="http://schemas.microsoft.com/office/powerpoint/2012/main"/>
+    </p:ext>
+  </p:extLst>
 </p:presentation>
 </file>
 
@@ -8029,8 +8034,20 @@
             </a:pPr>
             <a:r>
               <a:rPr lang="en" dirty="0"/>
-              <a:t>10/14/2018</a:t>
+              <a:t>02/17/2019</a:t>
             </a:r>
+          </a:p>
+          <a:p>
+            <a:pPr marL="0" lvl="0" indent="0" algn="l" rtl="0">
+              <a:spcBef>
+                <a:spcPts val="0"/>
+              </a:spcBef>
+              <a:spcAft>
+                <a:spcPts val="0"/>
+              </a:spcAft>
+              <a:buNone/>
+            </a:pPr>
+            <a:endParaRPr lang="en" dirty="0"/>
           </a:p>
           <a:p>
             <a:pPr marL="0" lvl="0" indent="0" algn="l" rtl="0">
